--- a/Docs/Exported Docs/Presentation.pptx
+++ b/Docs/Exported Docs/Presentation.pptx
@@ -16,6 +16,8 @@
     <p:sldId id="261" r:id="rId13"/>
     <p:sldId id="262" r:id="rId14"/>
     <p:sldId id="263" r:id="rId15"/>
+    <p:sldId id="264" r:id="rId16"/>
+    <p:sldId id="265" r:id="rId17"/>
   </p:sldIdLst>
   <p:sldSz cx="24384000" cy="13716000"/>
   <p:notesSz cx="6858000" cy="9144000"/>
@@ -496,6 +498,304 @@
     </a:lvl9pPr>
   </p:notesStyle>
 </p:notesMaster>
+</file>
+
+<file path=ppt/notesSlides/notesSlide1.xml><?xml version="1.0" encoding="utf-8"?>
+<p:notes xmlns:a="http://schemas.openxmlformats.org/drawingml/2006/main" xmlns:r="http://schemas.openxmlformats.org/officeDocument/2006/relationships" xmlns:p="http://schemas.openxmlformats.org/presentationml/2006/main" xmlns:m="http://schemas.openxmlformats.org/officeDocument/2006/math" xmlns:a14="http://schemas.microsoft.com/office/drawing/2010/main" showMasterSp="1" showMasterPhAnim="1">
+  <p:cSld>
+    <p:spTree>
+      <p:nvGrpSpPr>
+        <p:cNvPr id="1" name=""/>
+        <p:cNvGrpSpPr/>
+        <p:nvPr/>
+      </p:nvGrpSpPr>
+      <p:grpSpPr>
+        <a:xfrm>
+          <a:off x="0" y="0"/>
+          <a:ext cx="0" cy="0"/>
+          <a:chOff x="0" y="0"/>
+          <a:chExt cx="0" cy="0"/>
+        </a:xfrm>
+      </p:grpSpPr>
+      <p:sp>
+        <p:nvSpPr>
+          <p:cNvPr id="154" name="Shape 154"/>
+          <p:cNvSpPr/>
+          <p:nvPr>
+            <p:ph type="sldImg"/>
+          </p:nvPr>
+        </p:nvSpPr>
+        <p:spPr>
+          <a:prstGeom prst="rect">
+            <a:avLst/>
+          </a:prstGeom>
+        </p:spPr>
+        <p:txBody>
+          <a:bodyPr/>
+          <a:lstStyle/>
+          <a:p>
+            <a:pPr/>
+          </a:p>
+        </p:txBody>
+      </p:sp>
+      <p:sp>
+        <p:nvSpPr>
+          <p:cNvPr id="155" name="Shape 155"/>
+          <p:cNvSpPr/>
+          <p:nvPr>
+            <p:ph type="body" sz="quarter" idx="1"/>
+          </p:nvPr>
+        </p:nvSpPr>
+        <p:spPr>
+          <a:prstGeom prst="rect">
+            <a:avLst/>
+          </a:prstGeom>
+        </p:spPr>
+        <p:txBody>
+          <a:bodyPr/>
+          <a:lstStyle/>
+          <a:p>
+            <a:pPr/>
+            <a:r>
+              <a:t>Название</a:t>
+            </a:r>
+          </a:p>
+        </p:txBody>
+      </p:sp>
+    </p:spTree>
+  </p:cSld>
+  <p:clrMapOvr>
+    <a:masterClrMapping/>
+  </p:clrMapOvr>
+</p:notes>
+</file>
+
+<file path=ppt/notesSlides/notesSlide2.xml><?xml version="1.0" encoding="utf-8"?>
+<p:notes xmlns:a="http://schemas.openxmlformats.org/drawingml/2006/main" xmlns:r="http://schemas.openxmlformats.org/officeDocument/2006/relationships" xmlns:p="http://schemas.openxmlformats.org/presentationml/2006/main" xmlns:m="http://schemas.openxmlformats.org/officeDocument/2006/math" xmlns:a14="http://schemas.microsoft.com/office/drawing/2010/main" showMasterSp="1" showMasterPhAnim="1">
+  <p:cSld>
+    <p:spTree>
+      <p:nvGrpSpPr>
+        <p:cNvPr id="1" name=""/>
+        <p:cNvGrpSpPr/>
+        <p:nvPr/>
+      </p:nvGrpSpPr>
+      <p:grpSpPr>
+        <a:xfrm>
+          <a:off x="0" y="0"/>
+          <a:ext cx="0" cy="0"/>
+          <a:chOff x="0" y="0"/>
+          <a:chExt cx="0" cy="0"/>
+        </a:xfrm>
+      </p:grpSpPr>
+      <p:sp>
+        <p:nvSpPr>
+          <p:cNvPr id="159" name="Shape 159"/>
+          <p:cNvSpPr/>
+          <p:nvPr>
+            <p:ph type="sldImg"/>
+          </p:nvPr>
+        </p:nvSpPr>
+        <p:spPr>
+          <a:prstGeom prst="rect">
+            <a:avLst/>
+          </a:prstGeom>
+        </p:spPr>
+        <p:txBody>
+          <a:bodyPr/>
+          <a:lstStyle/>
+          <a:p>
+            <a:pPr/>
+          </a:p>
+        </p:txBody>
+      </p:sp>
+      <p:sp>
+        <p:nvSpPr>
+          <p:cNvPr id="160" name="Shape 160"/>
+          <p:cNvSpPr/>
+          <p:nvPr>
+            <p:ph type="body" sz="quarter" idx="1"/>
+          </p:nvPr>
+        </p:nvSpPr>
+        <p:spPr>
+          <a:prstGeom prst="rect">
+            <a:avLst/>
+          </a:prstGeom>
+        </p:spPr>
+        <p:txBody>
+          <a:bodyPr/>
+          <a:lstStyle/>
+          <a:p>
+            <a:pPr/>
+            <a:r>
+              <a:t>Применения</a:t>
+            </a:r>
+          </a:p>
+          <a:p>
+            <a:pPr/>
+            <a:r>
+              <a:t>-Введение в шифрование и хеширование для тех, кто не знаком с криптографией</a:t>
+            </a:r>
+          </a:p>
+          <a:p>
+            <a:pPr/>
+            <a:r>
+              <a:t>-Упрощение хеширования файлов</a:t>
+            </a:r>
+          </a:p>
+          <a:p>
+            <a:pPr/>
+            <a:r>
+              <a:t>-Шифрование текстовых сообщений с сохранением ключа</a:t>
+            </a:r>
+          </a:p>
+        </p:txBody>
+      </p:sp>
+    </p:spTree>
+  </p:cSld>
+  <p:clrMapOvr>
+    <a:masterClrMapping/>
+  </p:clrMapOvr>
+</p:notes>
+</file>
+
+<file path=ppt/notesSlides/notesSlide3.xml><?xml version="1.0" encoding="utf-8"?>
+<p:notes xmlns:a="http://schemas.openxmlformats.org/drawingml/2006/main" xmlns:r="http://schemas.openxmlformats.org/officeDocument/2006/relationships" xmlns:p="http://schemas.openxmlformats.org/presentationml/2006/main" xmlns:m="http://schemas.openxmlformats.org/officeDocument/2006/math" xmlns:a14="http://schemas.microsoft.com/office/drawing/2010/main" showMasterSp="1" showMasterPhAnim="1">
+  <p:cSld>
+    <p:spTree>
+      <p:nvGrpSpPr>
+        <p:cNvPr id="1" name=""/>
+        <p:cNvGrpSpPr/>
+        <p:nvPr/>
+      </p:nvGrpSpPr>
+      <p:grpSpPr>
+        <a:xfrm>
+          <a:off x="0" y="0"/>
+          <a:ext cx="0" cy="0"/>
+          <a:chOff x="0" y="0"/>
+          <a:chExt cx="0" cy="0"/>
+        </a:xfrm>
+      </p:grpSpPr>
+      <p:sp>
+        <p:nvSpPr>
+          <p:cNvPr id="189" name="Shape 189"/>
+          <p:cNvSpPr/>
+          <p:nvPr>
+            <p:ph type="sldImg"/>
+          </p:nvPr>
+        </p:nvSpPr>
+        <p:spPr>
+          <a:prstGeom prst="rect">
+            <a:avLst/>
+          </a:prstGeom>
+        </p:spPr>
+        <p:txBody>
+          <a:bodyPr/>
+          <a:lstStyle/>
+          <a:p>
+            <a:pPr/>
+          </a:p>
+        </p:txBody>
+      </p:sp>
+      <p:sp>
+        <p:nvSpPr>
+          <p:cNvPr id="190" name="Shape 190"/>
+          <p:cNvSpPr/>
+          <p:nvPr>
+            <p:ph type="body" sz="quarter" idx="1"/>
+          </p:nvPr>
+        </p:nvSpPr>
+        <p:spPr>
+          <a:prstGeom prst="rect">
+            <a:avLst/>
+          </a:prstGeom>
+        </p:spPr>
+        <p:txBody>
+          <a:bodyPr/>
+          <a:lstStyle/>
+          <a:p>
+            <a:pPr/>
+            <a:r>
+              <a:t>+ Программа понятна, тк похожа на все остальные</a:t>
+            </a:r>
+          </a:p>
+        </p:txBody>
+      </p:sp>
+    </p:spTree>
+  </p:cSld>
+  <p:clrMapOvr>
+    <a:masterClrMapping/>
+  </p:clrMapOvr>
+</p:notes>
+</file>
+
+<file path=ppt/notesSlides/notesSlide4.xml><?xml version="1.0" encoding="utf-8"?>
+<p:notes xmlns:a="http://schemas.openxmlformats.org/drawingml/2006/main" xmlns:r="http://schemas.openxmlformats.org/officeDocument/2006/relationships" xmlns:p="http://schemas.openxmlformats.org/presentationml/2006/main" xmlns:m="http://schemas.openxmlformats.org/officeDocument/2006/math" xmlns:a14="http://schemas.microsoft.com/office/drawing/2010/main" showMasterSp="1" showMasterPhAnim="1">
+  <p:cSld>
+    <p:spTree>
+      <p:nvGrpSpPr>
+        <p:cNvPr id="1" name=""/>
+        <p:cNvGrpSpPr/>
+        <p:nvPr/>
+      </p:nvGrpSpPr>
+      <p:grpSpPr>
+        <a:xfrm>
+          <a:off x="0" y="0"/>
+          <a:ext cx="0" cy="0"/>
+          <a:chOff x="0" y="0"/>
+          <a:chExt cx="0" cy="0"/>
+        </a:xfrm>
+      </p:grpSpPr>
+      <p:sp>
+        <p:nvSpPr>
+          <p:cNvPr id="199" name="Shape 199"/>
+          <p:cNvSpPr/>
+          <p:nvPr>
+            <p:ph type="sldImg"/>
+          </p:nvPr>
+        </p:nvSpPr>
+        <p:spPr>
+          <a:prstGeom prst="rect">
+            <a:avLst/>
+          </a:prstGeom>
+        </p:spPr>
+        <p:txBody>
+          <a:bodyPr/>
+          <a:lstStyle/>
+          <a:p>
+            <a:pPr/>
+          </a:p>
+        </p:txBody>
+      </p:sp>
+      <p:sp>
+        <p:nvSpPr>
+          <p:cNvPr id="200" name="Shape 200"/>
+          <p:cNvSpPr/>
+          <p:nvPr>
+            <p:ph type="body" sz="quarter" idx="1"/>
+          </p:nvPr>
+        </p:nvSpPr>
+        <p:spPr>
+          <a:prstGeom prst="rect">
+            <a:avLst/>
+          </a:prstGeom>
+        </p:spPr>
+        <p:txBody>
+          <a:bodyPr/>
+          <a:lstStyle/>
+          <a:p>
+            <a:pPr/>
+            <a:r>
+              <a:t>Приступить к запуску программы.</a:t>
+            </a:r>
+          </a:p>
+        </p:txBody>
+      </p:sp>
+    </p:spTree>
+  </p:cSld>
+  <p:clrMapOvr>
+    <a:masterClrMapping/>
+  </p:clrMapOvr>
+</p:notes>
 </file>
 
 <file path=ppt/slideLayouts/slideLayout1.xml><?xml version="1.0" encoding="utf-8"?>
@@ -3915,6 +4215,137 @@
 </p:sld>
 </file>
 
+<file path=ppt/slides/slide10.xml><?xml version="1.0" encoding="utf-8"?>
+<p:sld xmlns:a="http://schemas.openxmlformats.org/drawingml/2006/main" xmlns:r="http://schemas.openxmlformats.org/officeDocument/2006/relationships" xmlns:p="http://schemas.openxmlformats.org/presentationml/2006/main" xmlns:m="http://schemas.openxmlformats.org/officeDocument/2006/math" xmlns:a14="http://schemas.microsoft.com/office/drawing/2010/main" showMasterSp="1" showMasterPhAnim="1">
+  <p:cSld>
+    <p:spTree>
+      <p:nvGrpSpPr>
+        <p:cNvPr id="1" name=""/>
+        <p:cNvGrpSpPr/>
+        <p:nvPr/>
+      </p:nvGrpSpPr>
+      <p:grpSpPr>
+        <a:xfrm>
+          <a:off x="0" y="0"/>
+          <a:ext cx="0" cy="0"/>
+          <a:chOff x="0" y="0"/>
+          <a:chExt cx="0" cy="0"/>
+        </a:xfrm>
+      </p:grpSpPr>
+      <p:sp>
+        <p:nvSpPr>
+          <p:cNvPr id="197" name="Репозиторий проекта: github.com/germanivanov0719/Yandex1"/>
+          <p:cNvSpPr txBox="1"/>
+          <p:nvPr>
+            <p:ph type="body" idx="21"/>
+          </p:nvPr>
+        </p:nvSpPr>
+        <p:spPr>
+          <a:prstGeom prst="rect">
+            <a:avLst/>
+          </a:prstGeom>
+          <a:extLst>
+            <a:ext uri="{C572A759-6A51-4108-AA02-DFA0A04FC94B}">
+              <ma14:wrappingTextBoxFlag xmlns:ma14="http://schemas.microsoft.com/office/mac/drawingml/2011/main" val="1"/>
+            </a:ext>
+          </a:extLst>
+        </p:spPr>
+        <p:txBody>
+          <a:bodyPr/>
+          <a:lstStyle/>
+          <a:p>
+            <a:pPr/>
+            <a:r>
+              <a:t>Репозиторий проекта: </a:t>
+            </a:r>
+            <a:r>
+              <a:rPr u="sng">
+                <a:hlinkClick r:id="rId3" invalidUrl="" action="" tgtFrame="" tooltip="" history="1" highlightClick="0" endSnd="0"/>
+              </a:rPr>
+              <a:t>github.com/germanivanov0719/Yandex1</a:t>
+            </a:r>
+          </a:p>
+        </p:txBody>
+      </p:sp>
+      <p:sp>
+        <p:nvSpPr>
+          <p:cNvPr id="198" name="Проект распространяется по лицензии MIT.…"/>
+          <p:cNvSpPr txBox="1"/>
+          <p:nvPr>
+            <p:ph type="body" idx="1"/>
+          </p:nvPr>
+        </p:nvSpPr>
+        <p:spPr>
+          <a:xfrm>
+            <a:off x="1206500" y="5600592"/>
+            <a:ext cx="21971000" cy="6903924"/>
+          </a:xfrm>
+          <a:prstGeom prst="rect">
+            <a:avLst/>
+          </a:prstGeom>
+        </p:spPr>
+        <p:txBody>
+          <a:bodyPr/>
+          <a:lstStyle/>
+          <a:p>
+            <a:pPr defTabSz="2438338">
+              <a:lnSpc>
+                <a:spcPct val="90000"/>
+              </a:lnSpc>
+              <a:spcBef>
+                <a:spcPts val="4500"/>
+              </a:spcBef>
+              <a:defRPr spc="0" sz="4800"/>
+            </a:pPr>
+            <a:r>
+              <a:t>Проект распространяется по лицензии MIT.</a:t>
+            </a:r>
+          </a:p>
+          <a:p>
+            <a:pPr defTabSz="2438338">
+              <a:lnSpc>
+                <a:spcPct val="90000"/>
+              </a:lnSpc>
+              <a:spcBef>
+                <a:spcPts val="4500"/>
+              </a:spcBef>
+              <a:defRPr spc="0" sz="4800"/>
+            </a:pPr>
+            <a:r>
+              <a:t>Исполняемы файлы для всех операционных систем можно найти в </a:t>
+            </a:r>
+            <a:r>
+              <a:rPr u="sng">
+                <a:hlinkClick r:id="rId4" invalidUrl="" action="" tgtFrame="" tooltip="" history="1" highlightClick="0" endSnd="0"/>
+              </a:rPr>
+              <a:t>разделе Releases</a:t>
+            </a:r>
+            <a:r>
+              <a:t> репозитория проекта.</a:t>
+            </a:r>
+          </a:p>
+        </p:txBody>
+      </p:sp>
+    </p:spTree>
+  </p:cSld>
+  <p:clrMapOvr>
+    <a:masterClrMapping/>
+  </p:clrMapOvr>
+  <mc:AlternateContent xmlns:mc="http://schemas.openxmlformats.org/markup-compatibility/2006">
+    <mc:Choice xmlns:p14="http://schemas.microsoft.com/office/powerpoint/2010/main" Requires="p14">
+      <p:transition spd="fast" advClick="1" p14:dur="500">
+        <p:fade/>
+      </p:transition>
+    </mc:Choice>
+    <mc:Fallback>
+      <p:transition spd="fast">
+        <p:fade/>
+      </p:transition>
+    </mc:Fallback>
+  </mc:AlternateContent>
+</p:sld>
+</file>
+
 <file path=ppt/slides/slide2.xml><?xml version="1.0" encoding="utf-8"?>
 <p:sld xmlns:a="http://schemas.openxmlformats.org/drawingml/2006/main" xmlns:r="http://schemas.openxmlformats.org/officeDocument/2006/relationships" xmlns:p="http://schemas.openxmlformats.org/presentationml/2006/main" xmlns:m="http://schemas.openxmlformats.org/officeDocument/2006/math" xmlns:a14="http://schemas.microsoft.com/office/drawing/2010/main" showMasterSp="1" showMasterPhAnim="1">
   <p:cSld>
@@ -3934,7 +4365,7 @@
       </p:grpSpPr>
       <p:sp>
         <p:nvSpPr>
-          <p:cNvPr id="155" name="Применения"/>
+          <p:cNvPr id="157" name="Применения"/>
           <p:cNvSpPr txBox="1"/>
           <p:nvPr>
             <p:ph type="title"/>
@@ -3962,7 +4393,7 @@
       </p:sp>
       <p:sp>
         <p:nvSpPr>
-          <p:cNvPr id="156" name="Введение в шифрование и хеширование для тех, кто не знаком с криптографией…"/>
+          <p:cNvPr id="158" name="Введение в шифрование и хеширование для тех, кто не знаком с криптографией…"/>
           <p:cNvSpPr txBox="1"/>
           <p:nvPr>
             <p:ph type="body" idx="1"/>
@@ -4011,7 +4442,18 @@
   <p:clrMapOvr>
     <a:masterClrMapping/>
   </p:clrMapOvr>
-  <p:transition xmlns:p14="http://schemas.microsoft.com/office/powerpoint/2010/main" spd="med" advClick="1"/>
+  <mc:AlternateContent xmlns:mc="http://schemas.openxmlformats.org/markup-compatibility/2006">
+    <mc:Choice xmlns:p14="http://schemas.microsoft.com/office/powerpoint/2010/main" Requires="p14">
+      <p:transition spd="fast" advClick="1" p14:dur="500">
+        <p:fade/>
+      </p:transition>
+    </mc:Choice>
+    <mc:Fallback>
+      <p:transition spd="fast">
+        <p:fade/>
+      </p:transition>
+    </mc:Fallback>
+  </mc:AlternateContent>
 </p:sld>
 </file>
 
@@ -4034,7 +4476,7 @@
       </p:grpSpPr>
       <p:pic>
         <p:nvPicPr>
-          <p:cNvPr id="158" name="Bowl with salmon cakes, salad, and hummus" descr="Bowl with salmon cakes, salad, and hummus"/>
+          <p:cNvPr id="162" name="Bowl with salmon cakes, salad, and hummus" descr="Bowl with salmon cakes, salad, and hummus"/>
           <p:cNvPicPr>
             <a:picLocks noChangeAspect="1"/>
           </p:cNvPicPr>
@@ -4063,7 +4505,7 @@
       </p:pic>
       <p:sp>
         <p:nvSpPr>
-          <p:cNvPr id="159" name="Преимущества"/>
+          <p:cNvPr id="163" name="Преимущества"/>
           <p:cNvSpPr txBox="1"/>
           <p:nvPr>
             <p:ph type="title"/>
@@ -4071,8 +4513,8 @@
         </p:nvSpPr>
         <p:spPr>
           <a:xfrm>
-            <a:off x="1206500" y="1269999"/>
-            <a:ext cx="9779000" cy="2116706"/>
+            <a:off x="1206500" y="1270000"/>
+            <a:ext cx="9779000" cy="2116705"/>
           </a:xfrm>
           <a:prstGeom prst="rect">
             <a:avLst/>
@@ -4091,7 +4533,7 @@
       </p:sp>
       <p:sp>
         <p:nvSpPr>
-          <p:cNvPr id="160" name="Простой и понятный интерфейс…"/>
+          <p:cNvPr id="164" name="Простой и понятный интерфейс…"/>
           <p:cNvSpPr txBox="1"/>
           <p:nvPr>
             <p:ph type="body" sz="half" idx="1"/>
@@ -4099,8 +4541,8 @@
         </p:nvSpPr>
         <p:spPr>
           <a:xfrm>
-            <a:off x="1206499" y="3752004"/>
-            <a:ext cx="9779002" cy="8693996"/>
+            <a:off x="1206500" y="3752004"/>
+            <a:ext cx="9779000" cy="8693996"/>
           </a:xfrm>
           <a:prstGeom prst="rect">
             <a:avLst/>
@@ -4176,7 +4618,18 @@
   <p:clrMapOvr>
     <a:masterClrMapping/>
   </p:clrMapOvr>
-  <p:transition xmlns:p14="http://schemas.microsoft.com/office/powerpoint/2010/main" spd="med" advClick="1"/>
+  <mc:AlternateContent xmlns:mc="http://schemas.openxmlformats.org/markup-compatibility/2006">
+    <mc:Choice xmlns:p14="http://schemas.microsoft.com/office/powerpoint/2010/main" Requires="p14">
+      <p:transition spd="fast" advClick="1" p14:dur="500">
+        <p:fade/>
+      </p:transition>
+    </mc:Choice>
+    <mc:Fallback>
+      <p:transition spd="fast">
+        <p:fade/>
+      </p:transition>
+    </mc:Fallback>
+  </mc:AlternateContent>
 </p:sld>
 </file>
 
@@ -4199,7 +4652,7 @@
       </p:grpSpPr>
       <p:sp>
         <p:nvSpPr>
-          <p:cNvPr id="162" name="При сохранении ключей, они записываются в базу данных, файл которой находится рядом с программой.…"/>
+          <p:cNvPr id="166" name="При сохранении ключей, они записываются в базу данных, файл которой находится рядом с программой.…"/>
           <p:cNvSpPr txBox="1"/>
           <p:nvPr>
             <p:ph type="body" sz="half" idx="1"/>
@@ -4265,7 +4718,7 @@
       </p:sp>
       <p:pic>
         <p:nvPicPr>
-          <p:cNvPr id="163" name="Bowl of pappardelle pasta with parsley butter, roasted hazelnuts, and shaved parmesan cheese" descr="Bowl of pappardelle pasta with parsley butter, roasted hazelnuts, and shaved parmesan cheese"/>
+          <p:cNvPr id="167" name="Bowl of pappardelle pasta with parsley butter, roasted hazelnuts, and shaved parmesan cheese" descr="Bowl of pappardelle pasta with parsley butter, roasted hazelnuts, and shaved parmesan cheese"/>
           <p:cNvPicPr>
             <a:picLocks noChangeAspect="1"/>
           </p:cNvPicPr>
@@ -4285,7 +4738,7 @@
         <p:spPr>
           <a:xfrm>
             <a:off x="-150185" y="1520226"/>
-            <a:ext cx="13026458" cy="10675688"/>
+            <a:ext cx="13026458" cy="10675687"/>
           </a:xfrm>
           <a:prstGeom prst="rect">
             <a:avLst/>
@@ -4294,7 +4747,7 @@
       </p:pic>
       <p:sp>
         <p:nvSpPr>
-          <p:cNvPr id="164" name="Сохранение ключей"/>
+          <p:cNvPr id="168" name="Сохранение ключей"/>
           <p:cNvSpPr txBox="1"/>
           <p:nvPr>
             <p:ph type="title"/>
@@ -4329,7 +4782,18 @@
   <p:clrMapOvr>
     <a:masterClrMapping/>
   </p:clrMapOvr>
-  <p:transition xmlns:p14="http://schemas.microsoft.com/office/powerpoint/2010/main" spd="med" advClick="1"/>
+  <mc:AlternateContent xmlns:mc="http://schemas.openxmlformats.org/markup-compatibility/2006">
+    <mc:Choice xmlns:p14="http://schemas.microsoft.com/office/powerpoint/2010/main" Requires="p14">
+      <p:transition spd="fast" advClick="1" p14:dur="500">
+        <p:fade/>
+      </p:transition>
+    </mc:Choice>
+    <mc:Fallback>
+      <p:transition spd="fast">
+        <p:fade/>
+      </p:transition>
+    </mc:Fallback>
+  </mc:AlternateContent>
 </p:sld>
 </file>
 
@@ -4352,7 +4816,7 @@
       </p:grpSpPr>
       <p:sp>
         <p:nvSpPr>
-          <p:cNvPr id="166" name="Поддерживаются темная и светлые темы*"/>
+          <p:cNvPr id="170" name="Поддерживаются тёмная и светлая темы*"/>
           <p:cNvSpPr txBox="1"/>
           <p:nvPr>
             <p:ph type="title"/>
@@ -4361,7 +4825,7 @@
         <p:spPr>
           <a:xfrm>
             <a:off x="1206500" y="820890"/>
-            <a:ext cx="21971001" cy="1434949"/>
+            <a:ext cx="21971000" cy="1434949"/>
           </a:xfrm>
           <a:prstGeom prst="rect">
             <a:avLst/>
@@ -4370,21 +4834,21 @@
         <p:txBody>
           <a:bodyPr/>
           <a:lstStyle>
-            <a:lvl1pPr defTabSz="2389572">
-              <a:defRPr spc="-166" sz="8330"/>
+            <a:lvl1pPr defTabSz="2413955">
+              <a:defRPr spc="-168" sz="8415"/>
             </a:lvl1pPr>
           </a:lstStyle>
           <a:p>
             <a:pPr/>
             <a:r>
-              <a:t>Поддерживаются темная и светлые темы*</a:t>
+              <a:t>Поддерживаются тёмная и светлая темы*</a:t>
             </a:r>
           </a:p>
         </p:txBody>
       </p:sp>
       <p:pic>
         <p:nvPicPr>
-          <p:cNvPr id="167" name="Screen Shot 2021-11-15 at 12.12.42 AM.png" descr="Screen Shot 2021-11-15 at 12.12.42 AM.png"/>
+          <p:cNvPr id="171" name="Screen Shot 2021-11-15 at 12.12.42 AM.png" descr="Screen Shot 2021-11-15 at 12.12.42 AM.png"/>
           <p:cNvPicPr>
             <a:picLocks noChangeAspect="1"/>
           </p:cNvPicPr>
@@ -4413,7 +4877,7 @@
       </p:pic>
       <p:pic>
         <p:nvPicPr>
-          <p:cNvPr id="168" name="Screen Shot 2021-11-15 at 12.13.04 AM.png" descr="Screen Shot 2021-11-15 at 12.13.04 AM.png"/>
+          <p:cNvPr id="172" name="Screen Shot 2021-11-15 at 12.13.04 AM.png" descr="Screen Shot 2021-11-15 at 12.13.04 AM.png"/>
           <p:cNvPicPr>
             <a:picLocks noChangeAspect="1"/>
           </p:cNvPicPr>
@@ -4429,7 +4893,7 @@
         </p:blipFill>
         <p:spPr>
           <a:xfrm>
-            <a:off x="12275698" y="1955700"/>
+            <a:off x="12275697" y="1955700"/>
             <a:ext cx="11430001" cy="11840580"/>
           </a:xfrm>
           <a:prstGeom prst="rect">
@@ -4442,7 +4906,7 @@
       </p:pic>
       <p:sp>
         <p:nvSpPr>
-          <p:cNvPr id="169" name="*Необходима ОС, которая может предоставить соответствующие ресурсы для светлой и темной тем."/>
+          <p:cNvPr id="173" name="*Необходима ОС, которая может предоставить соответствующие ресурсы для светлой и темной тем."/>
           <p:cNvSpPr txBox="1"/>
           <p:nvPr/>
         </p:nvSpPr>
@@ -4481,7 +4945,18 @@
   <p:clrMapOvr>
     <a:masterClrMapping/>
   </p:clrMapOvr>
-  <p:transition xmlns:p14="http://schemas.microsoft.com/office/powerpoint/2010/main" spd="med" advClick="1"/>
+  <mc:AlternateContent xmlns:mc="http://schemas.openxmlformats.org/markup-compatibility/2006">
+    <mc:Choice xmlns:p14="http://schemas.microsoft.com/office/powerpoint/2010/main" Requires="p14">
+      <p:transition spd="fast" advClick="1" p14:dur="500">
+        <p:fade/>
+      </p:transition>
+    </mc:Choice>
+    <mc:Fallback>
+      <p:transition spd="fast">
+        <p:fade/>
+      </p:transition>
+    </mc:Fallback>
+  </mc:AlternateContent>
 </p:sld>
 </file>
 
@@ -4504,7 +4979,7 @@
       </p:grpSpPr>
       <p:pic>
         <p:nvPicPr>
-          <p:cNvPr id="171" name="Bowl with salmon cakes, salad, and hummus" descr="Bowl with salmon cakes, salad, and hummus"/>
+          <p:cNvPr id="175" name="Bowl with salmon cakes, salad, and hummus" descr="Bowl with salmon cakes, salad, and hummus"/>
           <p:cNvPicPr>
             <a:picLocks noChangeAspect="1"/>
           </p:cNvPicPr>
@@ -4516,15 +4991,15 @@
           <a:blip r:embed="rId2">
             <a:extLst/>
           </a:blip>
-          <a:srcRect l="0" t="7798" r="0" b="4867"/>
+          <a:srcRect l="0" t="3939" r="0" b="739"/>
           <a:stretch>
             <a:fillRect/>
           </a:stretch>
         </p:blipFill>
         <p:spPr>
           <a:xfrm>
-            <a:off x="12175728" y="1560644"/>
-            <a:ext cx="10922001" cy="5299229"/>
+            <a:off x="12633321" y="1560644"/>
+            <a:ext cx="10006815" cy="5299229"/>
           </a:xfrm>
           <a:prstGeom prst="rect">
             <a:avLst/>
@@ -4533,7 +5008,7 @@
       </p:pic>
       <p:sp>
         <p:nvSpPr>
-          <p:cNvPr id="172" name="Защита от ошибок"/>
+          <p:cNvPr id="176" name="Защита от ошибок"/>
           <p:cNvSpPr txBox="1"/>
           <p:nvPr>
             <p:ph type="title"/>
@@ -4541,8 +5016,8 @@
         </p:nvSpPr>
         <p:spPr>
           <a:xfrm>
-            <a:off x="1206499" y="701058"/>
-            <a:ext cx="9779001" cy="2787287"/>
+            <a:off x="1206500" y="701058"/>
+            <a:ext cx="9779000" cy="2787287"/>
           </a:xfrm>
           <a:prstGeom prst="rect">
             <a:avLst/>
@@ -4561,7 +5036,7 @@
       </p:sp>
       <p:sp>
         <p:nvSpPr>
-          <p:cNvPr id="173" name="Многие действия необходимо подтвердить. В случае ошибки программа не завершается, а выдает соответствующее уведомление."/>
+          <p:cNvPr id="177" name="Многие действия необходимо подтвердить. В случае ошибки программа не завершается, а выдает соответствующее уведомление."/>
           <p:cNvSpPr txBox="1"/>
           <p:nvPr>
             <p:ph type="body" sz="half" idx="1"/>
@@ -4569,8 +5044,8 @@
         </p:nvSpPr>
         <p:spPr>
           <a:xfrm>
-            <a:off x="1206499" y="4885450"/>
-            <a:ext cx="9779001" cy="7560551"/>
+            <a:off x="1206500" y="4885450"/>
+            <a:ext cx="9779000" cy="7560550"/>
           </a:xfrm>
           <a:prstGeom prst="rect">
             <a:avLst/>
@@ -4589,7 +5064,7 @@
       </p:sp>
       <p:pic>
         <p:nvPicPr>
-          <p:cNvPr id="174" name="Screen Shot 2021-11-15 at 12.25.22 AM.png" descr="Screen Shot 2021-11-15 at 12.25.22 AM.png"/>
+          <p:cNvPr id="178" name="Screen Shot 2021-11-15 at 12.25.22 AM.png" descr="Screen Shot 2021-11-15 at 12.25.22 AM.png"/>
           <p:cNvPicPr>
             <a:picLocks noChangeAspect="1"/>
           </p:cNvPicPr>
@@ -4599,15 +5074,15 @@
           <a:blip r:embed="rId3">
             <a:extLst/>
           </a:blip>
-          <a:srcRect l="0" t="8520" r="0" b="2454"/>
+          <a:srcRect l="0" t="3407" r="0" b="3407"/>
           <a:stretch>
             <a:fillRect/>
           </a:stretch>
         </p:blipFill>
         <p:spPr>
           <a:xfrm>
-            <a:off x="12175728" y="6834518"/>
-            <a:ext cx="10922001" cy="5830328"/>
+            <a:off x="12775076" y="6834518"/>
+            <a:ext cx="9723304" cy="5433043"/>
           </a:xfrm>
           <a:prstGeom prst="rect">
             <a:avLst/>
@@ -4622,7 +5097,18 @@
   <p:clrMapOvr>
     <a:masterClrMapping/>
   </p:clrMapOvr>
-  <p:transition xmlns:p14="http://schemas.microsoft.com/office/powerpoint/2010/main" spd="med" advClick="1"/>
+  <mc:AlternateContent xmlns:mc="http://schemas.openxmlformats.org/markup-compatibility/2006">
+    <mc:Choice xmlns:p14="http://schemas.microsoft.com/office/powerpoint/2010/main" Requires="p14">
+      <p:transition spd="fast" advClick="1" p14:dur="500">
+        <p:fade/>
+      </p:transition>
+    </mc:Choice>
+    <mc:Fallback>
+      <p:transition spd="fast">
+        <p:fade/>
+      </p:transition>
+    </mc:Fallback>
+  </mc:AlternateContent>
 </p:sld>
 </file>
 
@@ -4645,7 +5131,7 @@
       </p:grpSpPr>
       <p:pic>
         <p:nvPicPr>
-          <p:cNvPr id="176" name="Bowl with salmon cakes, salad, and hummus" descr="Bowl with salmon cakes, salad, and hummus"/>
+          <p:cNvPr id="180" name="Bowl with salmon cakes, salad, and hummus" descr="Bowl with salmon cakes, salad, and hummus"/>
           <p:cNvPicPr>
             <a:picLocks noChangeAspect="1"/>
           </p:cNvPicPr>
@@ -4657,7 +5143,7 @@
           <a:blip r:embed="rId2">
             <a:extLst/>
           </a:blip>
-          <a:srcRect l="0" t="204" r="0" b="204"/>
+          <a:srcRect l="473" t="0" r="473" b="0"/>
           <a:stretch>
             <a:fillRect/>
           </a:stretch>
@@ -4674,7 +5160,7 @@
       </p:pic>
       <p:sp>
         <p:nvSpPr>
-          <p:cNvPr id="177" name="Поддержка английского и русского языков"/>
+          <p:cNvPr id="181" name="Поддержка английского и русского языков"/>
           <p:cNvSpPr txBox="1"/>
           <p:nvPr>
             <p:ph type="title"/>
@@ -4706,7 +5192,7 @@
       </p:sp>
       <p:sp>
         <p:nvSpPr>
-          <p:cNvPr id="178" name="Можно менять язык во время работы программы, но также он автоматически определяется при запуске в зависимости от системного региона*."/>
+          <p:cNvPr id="182" name="Можно менять язык во время работы программы, но также он автоматически определяется при запуске в зависимости от системного региона*."/>
           <p:cNvSpPr txBox="1"/>
           <p:nvPr>
             <p:ph type="body" sz="half" idx="1"/>
@@ -4734,14 +5220,14 @@
       </p:sp>
       <p:sp>
         <p:nvSpPr>
-          <p:cNvPr id="179" name="*Необходима ОС, которая хранит и предоставляет данные о регионе."/>
+          <p:cNvPr id="183" name="*Необходима ОС, которая хранит и предоставляет данные о регионе."/>
           <p:cNvSpPr txBox="1"/>
           <p:nvPr/>
         </p:nvSpPr>
         <p:spPr>
           <a:xfrm>
             <a:off x="922990" y="12808093"/>
-            <a:ext cx="10346020" cy="461366"/>
+            <a:ext cx="10346019" cy="461367"/>
           </a:xfrm>
           <a:prstGeom prst="rect">
             <a:avLst/>
@@ -4773,7 +5259,18 @@
   <p:clrMapOvr>
     <a:masterClrMapping/>
   </p:clrMapOvr>
-  <p:transition xmlns:p14="http://schemas.microsoft.com/office/powerpoint/2010/main" spd="med" advClick="1"/>
+  <mc:AlternateContent xmlns:mc="http://schemas.openxmlformats.org/markup-compatibility/2006">
+    <mc:Choice xmlns:p14="http://schemas.microsoft.com/office/powerpoint/2010/main" Requires="p14">
+      <p:transition spd="fast" advClick="1" p14:dur="500">
+        <p:fade/>
+      </p:transition>
+    </mc:Choice>
+    <mc:Fallback>
+      <p:transition spd="fast">
+        <p:fade/>
+      </p:transition>
+    </mc:Fallback>
+  </mc:AlternateContent>
 </p:sld>
 </file>
 
@@ -4796,7 +5293,7 @@
       </p:grpSpPr>
       <p:sp>
         <p:nvSpPr>
-          <p:cNvPr id="181" name="Адаптируется под стили каждой системы*"/>
+          <p:cNvPr id="185" name="Адаптируется под стили каждой системы*"/>
           <p:cNvSpPr txBox="1"/>
           <p:nvPr>
             <p:ph type="title"/>
@@ -4828,14 +5325,14 @@
       </p:sp>
       <p:sp>
         <p:nvSpPr>
-          <p:cNvPr id="182" name="*Зависит от того, как работает на конкретной системе PyQt5, но обычно проблемы не возникают."/>
+          <p:cNvPr id="186" name="*Зависит от того, как работает на конкретной системе PyQt5, но обычно проблемы не возникают."/>
           <p:cNvSpPr txBox="1"/>
           <p:nvPr/>
         </p:nvSpPr>
         <p:spPr>
           <a:xfrm>
-            <a:off x="5064099" y="13234083"/>
-            <a:ext cx="14255802" cy="461366"/>
+            <a:off x="5064099" y="13234082"/>
+            <a:ext cx="14255802" cy="461367"/>
           </a:xfrm>
           <a:prstGeom prst="rect">
             <a:avLst/>
@@ -4864,36 +5361,7 @@
       </p:sp>
       <p:pic>
         <p:nvPicPr>
-          <p:cNvPr id="183" name="Screen Shot 2021-11-15 at 12.46.14 AM.png" descr="Screen Shot 2021-11-15 at 12.46.14 AM.png"/>
-          <p:cNvPicPr>
-            <a:picLocks noChangeAspect="1"/>
-          </p:cNvPicPr>
-          <p:nvPr/>
-        </p:nvPicPr>
-        <p:blipFill>
-          <a:blip r:embed="rId2">
-            <a:extLst/>
-          </a:blip>
-          <a:stretch>
-            <a:fillRect/>
-          </a:stretch>
-        </p:blipFill>
-        <p:spPr>
-          <a:xfrm>
-            <a:off x="11737061" y="1891985"/>
-            <a:ext cx="11249166" cy="11150612"/>
-          </a:xfrm>
-          <a:prstGeom prst="rect">
-            <a:avLst/>
-          </a:prstGeom>
-          <a:ln w="12700">
-            <a:miter lim="400000"/>
-          </a:ln>
-        </p:spPr>
-      </p:pic>
-      <p:pic>
-        <p:nvPicPr>
-          <p:cNvPr id="184" name="Screen Shot 2021-11-15 at 12.13.04 AM.png" descr="Screen Shot 2021-11-15 at 12.13.04 AM.png"/>
+          <p:cNvPr id="187" name="Screen Shot 2021-11-15 at 12.46.14 AM.png" descr="Screen Shot 2021-11-15 at 12.46.14 AM.png"/>
           <p:cNvPicPr>
             <a:picLocks noChangeAspect="1"/>
           </p:cNvPicPr>
@@ -4909,6 +5377,35 @@
         </p:blipFill>
         <p:spPr>
           <a:xfrm>
+            <a:off x="11737061" y="1891985"/>
+            <a:ext cx="11249166" cy="11150612"/>
+          </a:xfrm>
+          <a:prstGeom prst="rect">
+            <a:avLst/>
+          </a:prstGeom>
+          <a:ln w="12700">
+            <a:miter lim="400000"/>
+          </a:ln>
+        </p:spPr>
+      </p:pic>
+      <p:pic>
+        <p:nvPicPr>
+          <p:cNvPr id="188" name="Screen Shot 2021-11-15 at 12.13.04 AM.png" descr="Screen Shot 2021-11-15 at 12.13.04 AM.png"/>
+          <p:cNvPicPr>
+            <a:picLocks noChangeAspect="1"/>
+          </p:cNvPicPr>
+          <p:nvPr/>
+        </p:nvPicPr>
+        <p:blipFill>
+          <a:blip r:embed="rId4">
+            <a:extLst/>
+          </a:blip>
+          <a:stretch>
+            <a:fillRect/>
+          </a:stretch>
+        </p:blipFill>
+        <p:spPr>
+          <a:xfrm>
             <a:off x="494865" y="1739801"/>
             <a:ext cx="11430001" cy="11840579"/>
           </a:xfrm>
@@ -4925,7 +5422,199 @@
   <p:clrMapOvr>
     <a:masterClrMapping/>
   </p:clrMapOvr>
-  <p:transition xmlns:p14="http://schemas.microsoft.com/office/powerpoint/2010/main" spd="med" advClick="1"/>
+  <mc:AlternateContent xmlns:mc="http://schemas.openxmlformats.org/markup-compatibility/2006">
+    <mc:Choice xmlns:p14="http://schemas.microsoft.com/office/powerpoint/2010/main" Requires="p14">
+      <p:transition spd="fast" advClick="1" p14:dur="500">
+        <p:fade/>
+      </p:transition>
+    </mc:Choice>
+    <mc:Fallback>
+      <p:transition spd="fast">
+        <p:fade/>
+      </p:transition>
+    </mc:Fallback>
+  </mc:AlternateContent>
+</p:sld>
+</file>
+
+<file path=ppt/slides/slide9.xml><?xml version="1.0" encoding="utf-8"?>
+<p:sld xmlns:a="http://schemas.openxmlformats.org/drawingml/2006/main" xmlns:r="http://schemas.openxmlformats.org/officeDocument/2006/relationships" xmlns:p="http://schemas.openxmlformats.org/presentationml/2006/main" xmlns:m="http://schemas.openxmlformats.org/officeDocument/2006/math" xmlns:a14="http://schemas.microsoft.com/office/drawing/2010/main" showMasterSp="1" showMasterPhAnim="1">
+  <p:cSld>
+    <p:spTree>
+      <p:nvGrpSpPr>
+        <p:cNvPr id="1" name=""/>
+        <p:cNvGrpSpPr/>
+        <p:nvPr/>
+      </p:nvGrpSpPr>
+      <p:grpSpPr>
+        <a:xfrm>
+          <a:off x="0" y="0"/>
+          <a:ext cx="0" cy="0"/>
+          <a:chOff x="0" y="0"/>
+          <a:chExt cx="0" cy="0"/>
+        </a:xfrm>
+      </p:grpSpPr>
+      <p:sp>
+        <p:nvSpPr>
+          <p:cNvPr id="192" name="Удобнее запускать…"/>
+          <p:cNvSpPr txBox="1"/>
+          <p:nvPr>
+            <p:ph type="body" sz="half" idx="1"/>
+          </p:nvPr>
+        </p:nvSpPr>
+        <p:spPr>
+          <a:xfrm>
+            <a:off x="12756298" y="2587769"/>
+            <a:ext cx="9779001" cy="9863676"/>
+          </a:xfrm>
+          <a:prstGeom prst="rect">
+            <a:avLst/>
+          </a:prstGeom>
+        </p:spPr>
+        <p:txBody>
+          <a:bodyPr/>
+          <a:lstStyle/>
+          <a:p>
+            <a:pPr/>
+            <a:r>
+              <a:t>Удобнее запускать</a:t>
+            </a:r>
+          </a:p>
+          <a:p>
+            <a:pPr/>
+            <a:r>
+              <a:t>Нет необходимости устанавливать все зависимости</a:t>
+            </a:r>
+          </a:p>
+          <a:p>
+            <a:pPr/>
+            <a:r>
+              <a:t>Исполняемые файлы доступны в репозитории проекта в пункте “Releases”</a:t>
+            </a:r>
+          </a:p>
+        </p:txBody>
+      </p:sp>
+      <p:pic>
+        <p:nvPicPr>
+          <p:cNvPr id="193" name="Bowl of pappardelle pasta with parsley butter, roasted hazelnuts, and shaved parmesan cheese" descr="Bowl of pappardelle pasta with parsley butter, roasted hazelnuts, and shaved parmesan cheese"/>
+          <p:cNvPicPr>
+            <a:picLocks noChangeAspect="1"/>
+          </p:cNvPicPr>
+          <p:nvPr>
+            <p:ph type="pic" idx="22"/>
+          </p:nvPr>
+        </p:nvPicPr>
+        <p:blipFill>
+          <a:blip r:embed="rId2">
+            <a:extLst/>
+          </a:blip>
+          <a:srcRect l="2921" t="0" r="2921" b="2345"/>
+          <a:stretch>
+            <a:fillRect/>
+          </a:stretch>
+        </p:blipFill>
+        <p:spPr>
+          <a:xfrm>
+            <a:off x="-79095" y="339526"/>
+            <a:ext cx="13026458" cy="13037072"/>
+          </a:xfrm>
+          <a:prstGeom prst="rect">
+            <a:avLst/>
+          </a:prstGeom>
+          <a:effectLst>
+            <a:outerShdw sx="100000" sy="100000" kx="0" ky="0" algn="b" rotWithShape="0" blurRad="850900" dist="286600" dir="5400000">
+              <a:srgbClr val="5E5E5E">
+                <a:alpha val="71822"/>
+              </a:srgbClr>
+            </a:outerShdw>
+          </a:effectLst>
+        </p:spPr>
+      </p:pic>
+      <p:sp>
+        <p:nvSpPr>
+          <p:cNvPr id="194" name="Есть исполняемые файлы для всех операционных систем"/>
+          <p:cNvSpPr txBox="1"/>
+          <p:nvPr>
+            <p:ph type="title"/>
+          </p:nvPr>
+        </p:nvSpPr>
+        <p:spPr>
+          <a:xfrm>
+            <a:off x="12756298" y="1074605"/>
+            <a:ext cx="9779001" cy="1435101"/>
+          </a:xfrm>
+          <a:prstGeom prst="rect">
+            <a:avLst/>
+          </a:prstGeom>
+        </p:spPr>
+        <p:txBody>
+          <a:bodyPr/>
+          <a:lstStyle>
+            <a:lvl1pPr defTabSz="1365469">
+              <a:defRPr spc="-95" sz="4760"/>
+            </a:lvl1pPr>
+          </a:lstStyle>
+          <a:p>
+            <a:pPr/>
+            <a:r>
+              <a:t>Есть исполняемые файлы для всех операционных систем </a:t>
+            </a:r>
+          </a:p>
+        </p:txBody>
+      </p:sp>
+      <p:sp>
+        <p:nvSpPr>
+          <p:cNvPr id="195" name="Интерфейс на Ubuntu 20.04"/>
+          <p:cNvSpPr txBox="1"/>
+          <p:nvPr/>
+        </p:nvSpPr>
+        <p:spPr>
+          <a:xfrm>
+            <a:off x="4387639" y="12930664"/>
+            <a:ext cx="4093161" cy="461366"/>
+          </a:xfrm>
+          <a:prstGeom prst="rect">
+            <a:avLst/>
+          </a:prstGeom>
+          <a:ln w="12700">
+            <a:miter lim="400000"/>
+          </a:ln>
+          <a:extLst>
+            <a:ext uri="{C572A759-6A51-4108-AA02-DFA0A04FC94B}">
+              <ma14:wrappingTextBoxFlag xmlns:ma14="http://schemas.microsoft.com/office/mac/drawingml/2011/main" val="1"/>
+            </a:ext>
+          </a:extLst>
+        </p:spPr>
+        <p:txBody>
+          <a:bodyPr wrap="none" lIns="50800" tIns="50800" rIns="50800" bIns="50800" anchor="ctr">
+            <a:spAutoFit/>
+          </a:bodyPr>
+          <a:lstStyle/>
+          <a:p>
+            <a:pPr/>
+            <a:r>
+              <a:t>Интерфейс на Ubuntu 20.04</a:t>
+            </a:r>
+          </a:p>
+        </p:txBody>
+      </p:sp>
+    </p:spTree>
+  </p:cSld>
+  <p:clrMapOvr>
+    <a:masterClrMapping/>
+  </p:clrMapOvr>
+  <mc:AlternateContent xmlns:mc="http://schemas.openxmlformats.org/markup-compatibility/2006">
+    <mc:Choice xmlns:p14="http://schemas.microsoft.com/office/powerpoint/2010/main" Requires="p14">
+      <p:transition spd="fast" advClick="1" p14:dur="500">
+        <p:fade/>
+      </p:transition>
+    </mc:Choice>
+    <mc:Fallback>
+      <p:transition spd="fast">
+        <p:fade/>
+      </p:transition>
+    </mc:Fallback>
+  </mc:AlternateContent>
 </p:sld>
 </file>
 
